--- a/Presentation/Първи стъпки в Node.pptx
+++ b/Presentation/Първи стъпки в Node.pptx
@@ -7,6 +7,11 @@
   <p:sldIdLst>
     <p:sldId id="256" r:id="rId2"/>
     <p:sldId id="257" r:id="rId3"/>
+    <p:sldId id="258" r:id="rId4"/>
+    <p:sldId id="259" r:id="rId5"/>
+    <p:sldId id="260" r:id="rId6"/>
+    <p:sldId id="261" r:id="rId7"/>
+    <p:sldId id="262" r:id="rId8"/>
   </p:sldIdLst>
   <p:sldSz cx="9144000" cy="6858000" type="screen4x3"/>
   <p:notesSz cx="6858000" cy="9144000"/>
@@ -3806,8 +3811,12 @@
               <a:t>Първи стъпки в </a:t>
             </a:r>
             <a:r>
+              <a:rPr lang="en-US" dirty="0"/>
+              <a:t>n</a:t>
+            </a:r>
+            <a:r>
               <a:rPr lang="en-US" dirty="0" smtClean="0"/>
-              <a:t>Node.js</a:t>
+              <a:t>ode.js</a:t>
             </a:r>
             <a:endParaRPr lang="en-US" dirty="0"/>
           </a:p>
@@ -3836,6 +3845,47 @@
           </a:p>
         </p:txBody>
       </p:sp>
+      <p:pic>
+        <p:nvPicPr>
+          <p:cNvPr id="4098" name="Picture 2" descr="C:\Current projects\SoftUniConf2014\Presentation\nodejs-light.png"/>
+          <p:cNvPicPr>
+            <a:picLocks noChangeAspect="1" noChangeArrowheads="1"/>
+          </p:cNvPicPr>
+          <p:nvPr/>
+        </p:nvPicPr>
+        <p:blipFill>
+          <a:blip r:embed="rId2">
+            <a:extLst>
+              <a:ext uri="{28A0092B-C50C-407E-A947-70E740481C1C}">
+                <a14:useLocalDpi xmlns:a14="http://schemas.microsoft.com/office/drawing/2010/main" val="0"/>
+              </a:ext>
+            </a:extLst>
+          </a:blip>
+          <a:srcRect/>
+          <a:stretch>
+            <a:fillRect/>
+          </a:stretch>
+        </p:blipFill>
+        <p:spPr bwMode="auto">
+          <a:xfrm>
+            <a:off x="1676400" y="374650"/>
+            <a:ext cx="6096000" cy="3048000"/>
+          </a:xfrm>
+          <a:prstGeom prst="rect">
+            <a:avLst/>
+          </a:prstGeom>
+          <a:noFill/>
+          <a:extLst>
+            <a:ext uri="{909E8E84-426E-40DD-AFC4-6F175D3DCCD1}">
+              <a14:hiddenFill xmlns:a14="http://schemas.microsoft.com/office/drawing/2010/main">
+                <a:solidFill>
+                  <a:srgbClr val="FFFFFF"/>
+                </a:solidFill>
+              </a14:hiddenFill>
+            </a:ext>
+          </a:extLst>
+        </p:spPr>
+      </p:pic>
     </p:spTree>
     <p:extLst>
       <p:ext uri="{BB962C8B-B14F-4D97-AF65-F5344CB8AC3E}">
@@ -3878,10 +3928,16 @@
         </p:nvSpPr>
         <p:spPr/>
         <p:txBody>
-          <a:bodyPr/>
-          <a:lstStyle/>
-          <a:p>
-            <a:endParaRPr lang="en-US" dirty="0"/>
+          <a:bodyPr>
+            <a:noAutofit/>
+          </a:bodyPr>
+          <a:lstStyle/>
+          <a:p>
+            <a:r>
+              <a:rPr lang="bg-BG" sz="4400" dirty="0" smtClean="0"/>
+              <a:t>Програмиране със събития</a:t>
+            </a:r>
+            <a:endParaRPr lang="en-US" sz="4400" dirty="0"/>
           </a:p>
         </p:txBody>
       </p:sp>
@@ -3895,12 +3951,54 @@
             <p:ph sz="quarter" idx="1"/>
           </p:nvPr>
         </p:nvSpPr>
-        <p:spPr/>
-        <p:txBody>
-          <a:bodyPr/>
-          <a:lstStyle/>
-          <a:p>
-            <a:endParaRPr lang="en-US" dirty="0"/>
+        <p:spPr>
+          <a:xfrm>
+            <a:off x="457200" y="1828800"/>
+            <a:ext cx="8229600" cy="3489960"/>
+          </a:xfrm>
+        </p:spPr>
+        <p:txBody>
+          <a:bodyPr>
+            <a:normAutofit/>
+          </a:bodyPr>
+          <a:lstStyle/>
+          <a:p>
+            <a:r>
+              <a:rPr lang="bg-BG" sz="3600" dirty="0"/>
+              <a:t>Асинхронно </a:t>
+            </a:r>
+            <a:r>
+              <a:rPr lang="bg-BG" sz="3600" dirty="0" smtClean="0"/>
+              <a:t>програмиране</a:t>
+            </a:r>
+            <a:endParaRPr lang="bg-BG" sz="3600" dirty="0" smtClean="0"/>
+          </a:p>
+          <a:p>
+            <a:endParaRPr lang="bg-BG" sz="3600" dirty="0"/>
+          </a:p>
+          <a:p>
+            <a:r>
+              <a:rPr lang="en-US" sz="3600" dirty="0" smtClean="0"/>
+              <a:t>The </a:t>
+            </a:r>
+            <a:r>
+              <a:rPr lang="en-US" sz="3600" dirty="0" err="1" smtClean="0"/>
+              <a:t>Javascript</a:t>
+            </a:r>
+            <a:r>
+              <a:rPr lang="en-US" sz="3600" dirty="0" smtClean="0"/>
+              <a:t> way</a:t>
+            </a:r>
+            <a:endParaRPr lang="bg-BG" sz="3600" dirty="0" smtClean="0"/>
+          </a:p>
+          <a:p>
+            <a:endParaRPr lang="en-US" sz="3600" dirty="0"/>
+          </a:p>
+          <a:p>
+            <a:r>
+              <a:rPr lang="en-US" sz="3600" dirty="0" smtClean="0"/>
+              <a:t>Callbacks</a:t>
+            </a:r>
           </a:p>
         </p:txBody>
       </p:sp>
@@ -3908,6 +4006,946 @@
     <p:extLst>
       <p:ext uri="{BB962C8B-B14F-4D97-AF65-F5344CB8AC3E}">
         <p14:creationId xmlns:p14="http://schemas.microsoft.com/office/powerpoint/2010/main" val="921280136"/>
+      </p:ext>
+    </p:extLst>
+  </p:cSld>
+  <p:clrMapOvr>
+    <a:masterClrMapping/>
+  </p:clrMapOvr>
+</p:sld>
+</file>
+
+<file path=ppt/slides/slide3.xml><?xml version="1.0" encoding="utf-8"?>
+<p:sld xmlns:a="http://schemas.openxmlformats.org/drawingml/2006/main" xmlns:r="http://schemas.openxmlformats.org/officeDocument/2006/relationships" xmlns:p="http://schemas.openxmlformats.org/presentationml/2006/main">
+  <p:cSld>
+    <p:spTree>
+      <p:nvGrpSpPr>
+        <p:cNvPr id="1" name=""/>
+        <p:cNvGrpSpPr/>
+        <p:nvPr/>
+      </p:nvGrpSpPr>
+      <p:grpSpPr>
+        <a:xfrm>
+          <a:off x="0" y="0"/>
+          <a:ext cx="0" cy="0"/>
+          <a:chOff x="0" y="0"/>
+          <a:chExt cx="0" cy="0"/>
+        </a:xfrm>
+      </p:grpSpPr>
+      <p:sp>
+        <p:nvSpPr>
+          <p:cNvPr id="2" name="Title 1"/>
+          <p:cNvSpPr>
+            <a:spLocks noGrp="1"/>
+          </p:cNvSpPr>
+          <p:nvPr>
+            <p:ph type="title"/>
+          </p:nvPr>
+        </p:nvSpPr>
+        <p:spPr/>
+        <p:txBody>
+          <a:bodyPr>
+            <a:noAutofit/>
+          </a:bodyPr>
+          <a:lstStyle/>
+          <a:p>
+            <a:r>
+              <a:rPr lang="bg-BG" sz="4400" dirty="0" smtClean="0"/>
+              <a:t>Събития и </a:t>
+            </a:r>
+            <a:r>
+              <a:rPr lang="en-US" sz="4400" dirty="0" smtClean="0"/>
+              <a:t>node.js</a:t>
+            </a:r>
+            <a:endParaRPr lang="en-US" sz="4400" dirty="0"/>
+          </a:p>
+        </p:txBody>
+      </p:sp>
+      <p:sp>
+        <p:nvSpPr>
+          <p:cNvPr id="3" name="Content Placeholder 2"/>
+          <p:cNvSpPr>
+            <a:spLocks noGrp="1"/>
+          </p:cNvSpPr>
+          <p:nvPr>
+            <p:ph sz="quarter" idx="1"/>
+          </p:nvPr>
+        </p:nvSpPr>
+        <p:spPr>
+          <a:xfrm>
+            <a:off x="457200" y="1219200"/>
+            <a:ext cx="8229600" cy="5105400"/>
+          </a:xfrm>
+        </p:spPr>
+        <p:txBody>
+          <a:bodyPr>
+            <a:normAutofit/>
+          </a:bodyPr>
+          <a:lstStyle/>
+          <a:p>
+            <a:r>
+              <a:rPr lang="bg-BG" sz="3600" dirty="0" smtClean="0"/>
+              <a:t>Всемогъщият </a:t>
+            </a:r>
+            <a:r>
+              <a:rPr lang="en-US" sz="3600" dirty="0" smtClean="0"/>
+              <a:t>Event Loop</a:t>
+            </a:r>
+            <a:r>
+              <a:rPr lang="bg-BG" sz="3600" dirty="0" smtClean="0"/>
+              <a:t> </a:t>
+            </a:r>
+            <a:r>
+              <a:rPr lang="bg-BG" sz="3600" dirty="0" smtClean="0"/>
+              <a:t>и </a:t>
+            </a:r>
+            <a:r>
+              <a:rPr lang="en-US" sz="3600" dirty="0" smtClean="0"/>
+              <a:t>V8</a:t>
+            </a:r>
+            <a:endParaRPr lang="en-US" sz="3600" dirty="0" smtClean="0"/>
+          </a:p>
+        </p:txBody>
+      </p:sp>
+      <p:pic>
+        <p:nvPicPr>
+          <p:cNvPr id="1026" name="Picture 2" descr="C:\Current projects\SoftUniConf2014\Presentation\event.png"/>
+          <p:cNvPicPr>
+            <a:picLocks noChangeAspect="1" noChangeArrowheads="1"/>
+          </p:cNvPicPr>
+          <p:nvPr/>
+        </p:nvPicPr>
+        <p:blipFill>
+          <a:blip r:embed="rId2">
+            <a:extLst>
+              <a:ext uri="{28A0092B-C50C-407E-A947-70E740481C1C}">
+                <a14:useLocalDpi xmlns:a14="http://schemas.microsoft.com/office/drawing/2010/main" val="0"/>
+              </a:ext>
+            </a:extLst>
+          </a:blip>
+          <a:srcRect/>
+          <a:stretch>
+            <a:fillRect/>
+          </a:stretch>
+        </p:blipFill>
+        <p:spPr bwMode="auto">
+          <a:xfrm>
+            <a:off x="914400" y="1981200"/>
+            <a:ext cx="7637401" cy="4114800"/>
+          </a:xfrm>
+          <a:prstGeom prst="rect">
+            <a:avLst/>
+          </a:prstGeom>
+          <a:noFill/>
+          <a:extLst>
+            <a:ext uri="{909E8E84-426E-40DD-AFC4-6F175D3DCCD1}">
+              <a14:hiddenFill xmlns:a14="http://schemas.microsoft.com/office/drawing/2010/main">
+                <a:solidFill>
+                  <a:srgbClr val="FFFFFF"/>
+                </a:solidFill>
+              </a14:hiddenFill>
+            </a:ext>
+          </a:extLst>
+        </p:spPr>
+      </p:pic>
+    </p:spTree>
+    <p:extLst>
+      <p:ext uri="{BB962C8B-B14F-4D97-AF65-F5344CB8AC3E}">
+        <p14:creationId xmlns:p14="http://schemas.microsoft.com/office/powerpoint/2010/main" val="338783245"/>
+      </p:ext>
+    </p:extLst>
+  </p:cSld>
+  <p:clrMapOvr>
+    <a:masterClrMapping/>
+  </p:clrMapOvr>
+</p:sld>
+</file>
+
+<file path=ppt/slides/slide4.xml><?xml version="1.0" encoding="utf-8"?>
+<p:sld xmlns:a="http://schemas.openxmlformats.org/drawingml/2006/main" xmlns:r="http://schemas.openxmlformats.org/officeDocument/2006/relationships" xmlns:p="http://schemas.openxmlformats.org/presentationml/2006/main">
+  <p:cSld>
+    <p:spTree>
+      <p:nvGrpSpPr>
+        <p:cNvPr id="1" name=""/>
+        <p:cNvGrpSpPr/>
+        <p:nvPr/>
+      </p:nvGrpSpPr>
+      <p:grpSpPr>
+        <a:xfrm>
+          <a:off x="0" y="0"/>
+          <a:ext cx="0" cy="0"/>
+          <a:chOff x="0" y="0"/>
+          <a:chExt cx="0" cy="0"/>
+        </a:xfrm>
+      </p:grpSpPr>
+      <p:sp>
+        <p:nvSpPr>
+          <p:cNvPr id="2" name="Title 1"/>
+          <p:cNvSpPr>
+            <a:spLocks noGrp="1"/>
+          </p:cNvSpPr>
+          <p:nvPr>
+            <p:ph type="title"/>
+          </p:nvPr>
+        </p:nvSpPr>
+        <p:spPr/>
+        <p:txBody>
+          <a:bodyPr>
+            <a:noAutofit/>
+          </a:bodyPr>
+          <a:lstStyle/>
+          <a:p>
+            <a:r>
+              <a:rPr lang="en-US" sz="4400" dirty="0" smtClean="0"/>
+              <a:t>HTML5 </a:t>
+            </a:r>
+            <a:r>
+              <a:rPr lang="en-US" sz="4400" dirty="0" err="1" smtClean="0"/>
+              <a:t>Websockets</a:t>
+            </a:r>
+            <a:endParaRPr lang="en-US" sz="4400" dirty="0"/>
+          </a:p>
+        </p:txBody>
+      </p:sp>
+      <p:sp>
+        <p:nvSpPr>
+          <p:cNvPr id="3" name="Content Placeholder 2"/>
+          <p:cNvSpPr>
+            <a:spLocks noGrp="1"/>
+          </p:cNvSpPr>
+          <p:nvPr>
+            <p:ph sz="quarter" idx="1"/>
+          </p:nvPr>
+        </p:nvSpPr>
+        <p:spPr>
+          <a:xfrm>
+            <a:off x="457200" y="1219200"/>
+            <a:ext cx="8229600" cy="5105400"/>
+          </a:xfrm>
+        </p:spPr>
+        <p:txBody>
+          <a:bodyPr>
+            <a:normAutofit/>
+          </a:bodyPr>
+          <a:lstStyle/>
+          <a:p>
+            <a:r>
+              <a:rPr lang="bg-BG" sz="3600" dirty="0" smtClean="0"/>
+              <a:t>Двупосочна комуникация в уеб</a:t>
+            </a:r>
+          </a:p>
+          <a:p>
+            <a:endParaRPr lang="en-US" sz="3600" dirty="0" smtClean="0"/>
+          </a:p>
+          <a:p>
+            <a:endParaRPr lang="en-US" sz="3600" dirty="0"/>
+          </a:p>
+          <a:p>
+            <a:endParaRPr lang="en-US" sz="3600" dirty="0" smtClean="0"/>
+          </a:p>
+          <a:p>
+            <a:endParaRPr lang="en-US" sz="3600" dirty="0"/>
+          </a:p>
+          <a:p>
+            <a:endParaRPr lang="bg-BG" sz="3600" dirty="0" smtClean="0"/>
+          </a:p>
+          <a:p>
+            <a:r>
+              <a:rPr lang="bg-BG" sz="3600" dirty="0" smtClean="0"/>
+              <a:t>Без изчакване и без пари</a:t>
+            </a:r>
+          </a:p>
+        </p:txBody>
+      </p:sp>
+      <p:pic>
+        <p:nvPicPr>
+          <p:cNvPr id="2050" name="Picture 2" descr="C:\Current projects\SoftUniConf2014\Presentation\free.gif"/>
+          <p:cNvPicPr>
+            <a:picLocks noChangeAspect="1" noChangeArrowheads="1"/>
+          </p:cNvPicPr>
+          <p:nvPr/>
+        </p:nvPicPr>
+        <p:blipFill>
+          <a:blip r:embed="rId2">
+            <a:extLst>
+              <a:ext uri="{28A0092B-C50C-407E-A947-70E740481C1C}">
+                <a14:useLocalDpi xmlns:a14="http://schemas.microsoft.com/office/drawing/2010/main" val="0"/>
+              </a:ext>
+            </a:extLst>
+          </a:blip>
+          <a:srcRect/>
+          <a:stretch>
+            <a:fillRect/>
+          </a:stretch>
+        </p:blipFill>
+        <p:spPr bwMode="auto">
+          <a:xfrm>
+            <a:off x="2286000" y="2133600"/>
+            <a:ext cx="4238625" cy="2428875"/>
+          </a:xfrm>
+          <a:prstGeom prst="rect">
+            <a:avLst/>
+          </a:prstGeom>
+          <a:noFill/>
+          <a:extLst>
+            <a:ext uri="{909E8E84-426E-40DD-AFC4-6F175D3DCCD1}">
+              <a14:hiddenFill xmlns:a14="http://schemas.microsoft.com/office/drawing/2010/main">
+                <a:solidFill>
+                  <a:srgbClr val="FFFFFF"/>
+                </a:solidFill>
+              </a14:hiddenFill>
+            </a:ext>
+          </a:extLst>
+        </p:spPr>
+      </p:pic>
+    </p:spTree>
+    <p:extLst>
+      <p:ext uri="{BB962C8B-B14F-4D97-AF65-F5344CB8AC3E}">
+        <p14:creationId xmlns:p14="http://schemas.microsoft.com/office/powerpoint/2010/main" val="2195569330"/>
+      </p:ext>
+    </p:extLst>
+  </p:cSld>
+  <p:clrMapOvr>
+    <a:masterClrMapping/>
+  </p:clrMapOvr>
+</p:sld>
+</file>
+
+<file path=ppt/slides/slide5.xml><?xml version="1.0" encoding="utf-8"?>
+<p:sld xmlns:a="http://schemas.openxmlformats.org/drawingml/2006/main" xmlns:r="http://schemas.openxmlformats.org/officeDocument/2006/relationships" xmlns:p="http://schemas.openxmlformats.org/presentationml/2006/main">
+  <p:cSld>
+    <p:spTree>
+      <p:nvGrpSpPr>
+        <p:cNvPr id="1" name=""/>
+        <p:cNvGrpSpPr/>
+        <p:nvPr/>
+      </p:nvGrpSpPr>
+      <p:grpSpPr>
+        <a:xfrm>
+          <a:off x="0" y="0"/>
+          <a:ext cx="0" cy="0"/>
+          <a:chOff x="0" y="0"/>
+          <a:chExt cx="0" cy="0"/>
+        </a:xfrm>
+      </p:grpSpPr>
+      <p:sp>
+        <p:nvSpPr>
+          <p:cNvPr id="2" name="Title 1"/>
+          <p:cNvSpPr>
+            <a:spLocks noGrp="1"/>
+          </p:cNvSpPr>
+          <p:nvPr>
+            <p:ph type="title"/>
+          </p:nvPr>
+        </p:nvSpPr>
+        <p:spPr/>
+        <p:txBody>
+          <a:bodyPr>
+            <a:noAutofit/>
+          </a:bodyPr>
+          <a:lstStyle/>
+          <a:p>
+            <a:r>
+              <a:rPr lang="en-US" sz="4400" dirty="0" smtClean="0"/>
+              <a:t>Node.js </a:t>
+            </a:r>
+            <a:r>
+              <a:rPr lang="bg-BG" sz="4400" dirty="0" smtClean="0"/>
+              <a:t>и </a:t>
+            </a:r>
+            <a:r>
+              <a:rPr lang="en-US" sz="4400" dirty="0" err="1" smtClean="0"/>
+              <a:t>WebSockets</a:t>
+            </a:r>
+            <a:endParaRPr lang="en-US" sz="4400" dirty="0"/>
+          </a:p>
+        </p:txBody>
+      </p:sp>
+      <p:sp>
+        <p:nvSpPr>
+          <p:cNvPr id="3" name="Content Placeholder 2"/>
+          <p:cNvSpPr>
+            <a:spLocks noGrp="1"/>
+          </p:cNvSpPr>
+          <p:nvPr>
+            <p:ph sz="quarter" idx="1"/>
+          </p:nvPr>
+        </p:nvSpPr>
+        <p:spPr>
+          <a:xfrm>
+            <a:off x="457200" y="1219200"/>
+            <a:ext cx="8229600" cy="5105400"/>
+          </a:xfrm>
+        </p:spPr>
+        <p:txBody>
+          <a:bodyPr>
+            <a:normAutofit/>
+          </a:bodyPr>
+          <a:lstStyle/>
+          <a:p>
+            <a:endParaRPr lang="en-US" sz="3600" dirty="0" smtClean="0"/>
+          </a:p>
+          <a:p>
+            <a:endParaRPr lang="en-US" sz="3600" dirty="0"/>
+          </a:p>
+          <a:p>
+            <a:endParaRPr lang="en-US" sz="3600" dirty="0" smtClean="0"/>
+          </a:p>
+          <a:p>
+            <a:endParaRPr lang="en-US" sz="3600" dirty="0"/>
+          </a:p>
+          <a:p>
+            <a:endParaRPr lang="bg-BG" sz="3600" dirty="0" smtClean="0"/>
+          </a:p>
+          <a:p>
+            <a:endParaRPr lang="en-US" sz="3600" dirty="0" smtClean="0"/>
+          </a:p>
+        </p:txBody>
+      </p:sp>
+      <p:pic>
+        <p:nvPicPr>
+          <p:cNvPr id="3074" name="Picture 2" descr="C:\Current projects\SoftUniConf2014\Presentation\match made in heaven-2.jpg"/>
+          <p:cNvPicPr>
+            <a:picLocks noChangeAspect="1" noChangeArrowheads="1"/>
+          </p:cNvPicPr>
+          <p:nvPr/>
+        </p:nvPicPr>
+        <p:blipFill>
+          <a:blip r:embed="rId2">
+            <a:extLst>
+              <a:ext uri="{28A0092B-C50C-407E-A947-70E740481C1C}">
+                <a14:useLocalDpi xmlns:a14="http://schemas.microsoft.com/office/drawing/2010/main" val="0"/>
+              </a:ext>
+            </a:extLst>
+          </a:blip>
+          <a:srcRect/>
+          <a:stretch>
+            <a:fillRect/>
+          </a:stretch>
+        </p:blipFill>
+        <p:spPr bwMode="auto">
+          <a:xfrm>
+            <a:off x="2419927" y="1524000"/>
+            <a:ext cx="4064000" cy="3048000"/>
+          </a:xfrm>
+          <a:prstGeom prst="rect">
+            <a:avLst/>
+          </a:prstGeom>
+          <a:noFill/>
+          <a:extLst>
+            <a:ext uri="{909E8E84-426E-40DD-AFC4-6F175D3DCCD1}">
+              <a14:hiddenFill xmlns:a14="http://schemas.microsoft.com/office/drawing/2010/main">
+                <a:solidFill>
+                  <a:srgbClr val="FFFFFF"/>
+                </a:solidFill>
+              </a14:hiddenFill>
+            </a:ext>
+          </a:extLst>
+        </p:spPr>
+      </p:pic>
+      <p:sp>
+        <p:nvSpPr>
+          <p:cNvPr id="6" name="Content Placeholder 2"/>
+          <p:cNvSpPr txBox="1">
+            <a:spLocks/>
+          </p:cNvSpPr>
+          <p:nvPr/>
+        </p:nvSpPr>
+        <p:spPr>
+          <a:xfrm>
+            <a:off x="609600" y="4648200"/>
+            <a:ext cx="8229600" cy="1828800"/>
+          </a:xfrm>
+          <a:prstGeom prst="rect">
+            <a:avLst/>
+          </a:prstGeom>
+        </p:spPr>
+        <p:txBody>
+          <a:bodyPr vert="horz">
+            <a:normAutofit/>
+          </a:bodyPr>
+          <a:lstStyle>
+            <a:lvl1pPr marL="274320" indent="-274320" algn="l" rtl="0" eaLnBrk="1" latinLnBrk="0" hangingPunct="1">
+              <a:spcBef>
+                <a:spcPts val="600"/>
+              </a:spcBef>
+              <a:buClr>
+                <a:schemeClr val="accent1"/>
+              </a:buClr>
+              <a:buSzPct val="76000"/>
+              <a:buFont typeface="Wingdings 3"/>
+              <a:buChar char=""/>
+              <a:defRPr kumimoji="0" sz="2600" kern="1200">
+                <a:solidFill>
+                  <a:schemeClr val="tx1"/>
+                </a:solidFill>
+                <a:latin typeface="+mn-lt"/>
+                <a:ea typeface="+mn-ea"/>
+                <a:cs typeface="+mn-cs"/>
+              </a:defRPr>
+            </a:lvl1pPr>
+            <a:lvl2pPr marL="548640" indent="-274320" algn="l" rtl="0" eaLnBrk="1" latinLnBrk="0" hangingPunct="1">
+              <a:spcBef>
+                <a:spcPts val="500"/>
+              </a:spcBef>
+              <a:buClr>
+                <a:schemeClr val="accent2"/>
+              </a:buClr>
+              <a:buSzPct val="76000"/>
+              <a:buFont typeface="Wingdings 3"/>
+              <a:buChar char=""/>
+              <a:defRPr kumimoji="0" sz="2300" kern="1200">
+                <a:solidFill>
+                  <a:schemeClr val="tx2"/>
+                </a:solidFill>
+                <a:latin typeface="+mn-lt"/>
+                <a:ea typeface="+mn-ea"/>
+                <a:cs typeface="+mn-cs"/>
+              </a:defRPr>
+            </a:lvl2pPr>
+            <a:lvl3pPr marL="822960" indent="-228600" algn="l" rtl="0" eaLnBrk="1" latinLnBrk="0" hangingPunct="1">
+              <a:spcBef>
+                <a:spcPts val="500"/>
+              </a:spcBef>
+              <a:buClr>
+                <a:schemeClr val="bg1">
+                  <a:shade val="50000"/>
+                </a:schemeClr>
+              </a:buClr>
+              <a:buSzPct val="76000"/>
+              <a:buFont typeface="Wingdings 3"/>
+              <a:buChar char=""/>
+              <a:defRPr kumimoji="0" sz="2000" kern="1200">
+                <a:solidFill>
+                  <a:schemeClr val="tx1"/>
+                </a:solidFill>
+                <a:latin typeface="+mn-lt"/>
+                <a:ea typeface="+mn-ea"/>
+                <a:cs typeface="+mn-cs"/>
+              </a:defRPr>
+            </a:lvl3pPr>
+            <a:lvl4pPr marL="1097280" indent="-228600" algn="l" rtl="0" eaLnBrk="1" latinLnBrk="0" hangingPunct="1">
+              <a:spcBef>
+                <a:spcPts val="400"/>
+              </a:spcBef>
+              <a:buClr>
+                <a:schemeClr val="accent2">
+                  <a:shade val="75000"/>
+                </a:schemeClr>
+              </a:buClr>
+              <a:buSzPct val="70000"/>
+              <a:buFont typeface="Wingdings"/>
+              <a:buChar char=""/>
+              <a:defRPr kumimoji="0" sz="1800" kern="1200">
+                <a:solidFill>
+                  <a:schemeClr val="tx1"/>
+                </a:solidFill>
+                <a:latin typeface="+mn-lt"/>
+                <a:ea typeface="+mn-ea"/>
+                <a:cs typeface="+mn-cs"/>
+              </a:defRPr>
+            </a:lvl4pPr>
+            <a:lvl5pPr marL="1371600" indent="-228600" algn="l" rtl="0" eaLnBrk="1" latinLnBrk="0" hangingPunct="1">
+              <a:spcBef>
+                <a:spcPts val="300"/>
+              </a:spcBef>
+              <a:buClr>
+                <a:schemeClr val="accent2"/>
+              </a:buClr>
+              <a:buSzPct val="70000"/>
+              <a:buFont typeface="Wingdings"/>
+              <a:buChar char=""/>
+              <a:defRPr kumimoji="0" sz="1600" kern="1200">
+                <a:solidFill>
+                  <a:schemeClr val="tx1"/>
+                </a:solidFill>
+                <a:latin typeface="+mn-lt"/>
+                <a:ea typeface="+mn-ea"/>
+                <a:cs typeface="+mn-cs"/>
+              </a:defRPr>
+            </a:lvl5pPr>
+            <a:lvl6pPr marL="1645920" indent="-182880" algn="l" rtl="0" eaLnBrk="1" latinLnBrk="0" hangingPunct="1">
+              <a:spcBef>
+                <a:spcPts val="300"/>
+              </a:spcBef>
+              <a:buClr>
+                <a:srgbClr val="9FB8CD">
+                  <a:shade val="75000"/>
+                </a:srgbClr>
+              </a:buClr>
+              <a:buSzPct val="75000"/>
+              <a:buFont typeface="Wingdings 3"/>
+              <a:buChar char=""/>
+              <a:defRPr kumimoji="0" lang="en-US" sz="1600" kern="1200" smtClean="0">
+                <a:solidFill>
+                  <a:schemeClr val="tx1"/>
+                </a:solidFill>
+                <a:latin typeface="+mn-lt"/>
+                <a:ea typeface="+mn-ea"/>
+                <a:cs typeface="+mn-cs"/>
+              </a:defRPr>
+            </a:lvl6pPr>
+            <a:lvl7pPr marL="1828800" indent="-182880" algn="l" rtl="0" eaLnBrk="1" latinLnBrk="0" hangingPunct="1">
+              <a:spcBef>
+                <a:spcPts val="300"/>
+              </a:spcBef>
+              <a:buClr>
+                <a:srgbClr val="727CA3">
+                  <a:shade val="75000"/>
+                </a:srgbClr>
+              </a:buClr>
+              <a:buSzPct val="75000"/>
+              <a:buFont typeface="Wingdings 3"/>
+              <a:buChar char=""/>
+              <a:defRPr kumimoji="0" lang="en-US" sz="1400" kern="1200" smtClean="0">
+                <a:solidFill>
+                  <a:schemeClr val="tx1"/>
+                </a:solidFill>
+                <a:latin typeface="+mn-lt"/>
+                <a:ea typeface="+mn-ea"/>
+                <a:cs typeface="+mn-cs"/>
+              </a:defRPr>
+            </a:lvl7pPr>
+            <a:lvl8pPr marL="2011680" indent="-182880" algn="l" rtl="0" eaLnBrk="1" latinLnBrk="0" hangingPunct="1">
+              <a:spcBef>
+                <a:spcPts val="300"/>
+              </a:spcBef>
+              <a:buClr>
+                <a:prstClr val="white">
+                  <a:shade val="50000"/>
+                </a:prstClr>
+              </a:buClr>
+              <a:buSzPct val="75000"/>
+              <a:buFont typeface="Wingdings 3"/>
+              <a:buChar char=""/>
+              <a:defRPr kumimoji="0" lang="en-US" sz="1400" kern="1200" smtClean="0">
+                <a:solidFill>
+                  <a:schemeClr val="tx1"/>
+                </a:solidFill>
+                <a:latin typeface="+mn-lt"/>
+                <a:ea typeface="+mn-ea"/>
+                <a:cs typeface="+mn-cs"/>
+              </a:defRPr>
+            </a:lvl8pPr>
+            <a:lvl9pPr marL="2194560" indent="-182880" algn="l" rtl="0" eaLnBrk="1" latinLnBrk="0" hangingPunct="1">
+              <a:spcBef>
+                <a:spcPts val="300"/>
+              </a:spcBef>
+              <a:buClr>
+                <a:srgbClr val="9FB8CD"/>
+              </a:buClr>
+              <a:buSzPct val="75000"/>
+              <a:buFont typeface="Wingdings 3"/>
+              <a:buChar char=""/>
+              <a:defRPr kumimoji="0" lang="en-US" sz="1200" kern="1200" smtClean="0">
+                <a:solidFill>
+                  <a:schemeClr val="tx1"/>
+                </a:solidFill>
+                <a:latin typeface="+mn-lt"/>
+                <a:ea typeface="+mn-ea"/>
+                <a:cs typeface="+mn-cs"/>
+              </a:defRPr>
+            </a:lvl9pPr>
+          </a:lstStyle>
+          <a:p>
+            <a:r>
+              <a:rPr lang="en-US" sz="3600" dirty="0" smtClean="0"/>
+              <a:t>Event </a:t>
+            </a:r>
+            <a:r>
+              <a:rPr lang="bg-BG" sz="3600" dirty="0" smtClean="0"/>
+              <a:t>моделът е много добър в работата с двупосочна комуникация</a:t>
+            </a:r>
+            <a:endParaRPr lang="bg-BG" sz="3600" dirty="0" smtClean="0"/>
+          </a:p>
+        </p:txBody>
+      </p:sp>
+    </p:spTree>
+    <p:extLst>
+      <p:ext uri="{BB962C8B-B14F-4D97-AF65-F5344CB8AC3E}">
+        <p14:creationId xmlns:p14="http://schemas.microsoft.com/office/powerpoint/2010/main" val="1198126538"/>
+      </p:ext>
+    </p:extLst>
+  </p:cSld>
+  <p:clrMapOvr>
+    <a:masterClrMapping/>
+  </p:clrMapOvr>
+</p:sld>
+</file>
+
+<file path=ppt/slides/slide6.xml><?xml version="1.0" encoding="utf-8"?>
+<p:sld xmlns:a="http://schemas.openxmlformats.org/drawingml/2006/main" xmlns:r="http://schemas.openxmlformats.org/officeDocument/2006/relationships" xmlns:p="http://schemas.openxmlformats.org/presentationml/2006/main">
+  <p:cSld>
+    <p:spTree>
+      <p:nvGrpSpPr>
+        <p:cNvPr id="1" name=""/>
+        <p:cNvGrpSpPr/>
+        <p:nvPr/>
+      </p:nvGrpSpPr>
+      <p:grpSpPr>
+        <a:xfrm>
+          <a:off x="0" y="0"/>
+          <a:ext cx="0" cy="0"/>
+          <a:chOff x="0" y="0"/>
+          <a:chExt cx="0" cy="0"/>
+        </a:xfrm>
+      </p:grpSpPr>
+      <p:sp>
+        <p:nvSpPr>
+          <p:cNvPr id="2" name="Title 1"/>
+          <p:cNvSpPr>
+            <a:spLocks noGrp="1"/>
+          </p:cNvSpPr>
+          <p:nvPr>
+            <p:ph type="title"/>
+          </p:nvPr>
+        </p:nvSpPr>
+        <p:spPr/>
+        <p:txBody>
+          <a:bodyPr>
+            <a:noAutofit/>
+          </a:bodyPr>
+          <a:lstStyle/>
+          <a:p>
+            <a:r>
+              <a:rPr lang="bg-BG" sz="4400" dirty="0" smtClean="0"/>
+              <a:t>На практика</a:t>
+            </a:r>
+            <a:endParaRPr lang="en-US" sz="4400" dirty="0"/>
+          </a:p>
+        </p:txBody>
+      </p:sp>
+      <p:sp>
+        <p:nvSpPr>
+          <p:cNvPr id="3" name="Content Placeholder 2"/>
+          <p:cNvSpPr>
+            <a:spLocks noGrp="1"/>
+          </p:cNvSpPr>
+          <p:nvPr>
+            <p:ph sz="quarter" idx="1"/>
+          </p:nvPr>
+        </p:nvSpPr>
+        <p:spPr>
+          <a:xfrm>
+            <a:off x="457200" y="1219200"/>
+            <a:ext cx="8229600" cy="5105400"/>
+          </a:xfrm>
+        </p:spPr>
+        <p:txBody>
+          <a:bodyPr>
+            <a:normAutofit/>
+          </a:bodyPr>
+          <a:lstStyle/>
+          <a:p>
+            <a:endParaRPr lang="en-US" sz="3600" dirty="0" smtClean="0"/>
+          </a:p>
+          <a:p>
+            <a:endParaRPr lang="en-US" sz="3600" dirty="0"/>
+          </a:p>
+          <a:p>
+            <a:endParaRPr lang="en-US" sz="3600" dirty="0" smtClean="0"/>
+          </a:p>
+          <a:p>
+            <a:endParaRPr lang="en-US" sz="3600" dirty="0"/>
+          </a:p>
+          <a:p>
+            <a:endParaRPr lang="bg-BG" sz="3600" dirty="0" smtClean="0"/>
+          </a:p>
+          <a:p>
+            <a:endParaRPr lang="en-US" sz="3600" dirty="0" smtClean="0"/>
+          </a:p>
+        </p:txBody>
+      </p:sp>
+      <p:pic>
+        <p:nvPicPr>
+          <p:cNvPr id="5122" name="Picture 2" descr="C:\Current projects\SoftUniConf2014\Presentation\81734325d751649ceb986d7449143e224df7dc8deabead6753baa2ebc00acde7.jpg"/>
+          <p:cNvPicPr>
+            <a:picLocks noChangeAspect="1" noChangeArrowheads="1"/>
+          </p:cNvPicPr>
+          <p:nvPr/>
+        </p:nvPicPr>
+        <p:blipFill>
+          <a:blip r:embed="rId2">
+            <a:extLst>
+              <a:ext uri="{28A0092B-C50C-407E-A947-70E740481C1C}">
+                <a14:useLocalDpi xmlns:a14="http://schemas.microsoft.com/office/drawing/2010/main" val="0"/>
+              </a:ext>
+            </a:extLst>
+          </a:blip>
+          <a:srcRect/>
+          <a:stretch>
+            <a:fillRect/>
+          </a:stretch>
+        </p:blipFill>
+        <p:spPr bwMode="auto">
+          <a:xfrm>
+            <a:off x="2514600" y="1219200"/>
+            <a:ext cx="4419600" cy="5010150"/>
+          </a:xfrm>
+          <a:prstGeom prst="rect">
+            <a:avLst/>
+          </a:prstGeom>
+          <a:noFill/>
+          <a:extLst>
+            <a:ext uri="{909E8E84-426E-40DD-AFC4-6F175D3DCCD1}">
+              <a14:hiddenFill xmlns:a14="http://schemas.microsoft.com/office/drawing/2010/main">
+                <a:solidFill>
+                  <a:srgbClr val="FFFFFF"/>
+                </a:solidFill>
+              </a14:hiddenFill>
+            </a:ext>
+          </a:extLst>
+        </p:spPr>
+      </p:pic>
+    </p:spTree>
+    <p:extLst>
+      <p:ext uri="{BB962C8B-B14F-4D97-AF65-F5344CB8AC3E}">
+        <p14:creationId xmlns:p14="http://schemas.microsoft.com/office/powerpoint/2010/main" val="3891515689"/>
+      </p:ext>
+    </p:extLst>
+  </p:cSld>
+  <p:clrMapOvr>
+    <a:masterClrMapping/>
+  </p:clrMapOvr>
+</p:sld>
+</file>
+
+<file path=ppt/slides/slide7.xml><?xml version="1.0" encoding="utf-8"?>
+<p:sld xmlns:a="http://schemas.openxmlformats.org/drawingml/2006/main" xmlns:r="http://schemas.openxmlformats.org/officeDocument/2006/relationships" xmlns:p="http://schemas.openxmlformats.org/presentationml/2006/main">
+  <p:cSld>
+    <p:spTree>
+      <p:nvGrpSpPr>
+        <p:cNvPr id="1" name=""/>
+        <p:cNvGrpSpPr/>
+        <p:nvPr/>
+      </p:nvGrpSpPr>
+      <p:grpSpPr>
+        <a:xfrm>
+          <a:off x="0" y="0"/>
+          <a:ext cx="0" cy="0"/>
+          <a:chOff x="0" y="0"/>
+          <a:chExt cx="0" cy="0"/>
+        </a:xfrm>
+      </p:grpSpPr>
+      <p:sp>
+        <p:nvSpPr>
+          <p:cNvPr id="2" name="Title 1"/>
+          <p:cNvSpPr>
+            <a:spLocks noGrp="1"/>
+          </p:cNvSpPr>
+          <p:nvPr>
+            <p:ph type="title"/>
+          </p:nvPr>
+        </p:nvSpPr>
+        <p:spPr/>
+        <p:txBody>
+          <a:bodyPr>
+            <a:noAutofit/>
+          </a:bodyPr>
+          <a:lstStyle/>
+          <a:p>
+            <a:r>
+              <a:rPr lang="bg-BG" sz="4400" dirty="0" smtClean="0"/>
+              <a:t>В</a:t>
+            </a:r>
+            <a:r>
+              <a:rPr lang="bg-BG" sz="4400" dirty="0" smtClean="0"/>
+              <a:t>реме за в</a:t>
+            </a:r>
+            <a:r>
+              <a:rPr lang="bg-BG" sz="4400" dirty="0" smtClean="0"/>
+              <a:t>ъпроси?</a:t>
+            </a:r>
+            <a:endParaRPr lang="en-US" sz="4400" dirty="0"/>
+          </a:p>
+        </p:txBody>
+      </p:sp>
+      <p:sp>
+        <p:nvSpPr>
+          <p:cNvPr id="3" name="Content Placeholder 2"/>
+          <p:cNvSpPr>
+            <a:spLocks noGrp="1"/>
+          </p:cNvSpPr>
+          <p:nvPr>
+            <p:ph sz="quarter" idx="1"/>
+          </p:nvPr>
+        </p:nvSpPr>
+        <p:spPr>
+          <a:xfrm>
+            <a:off x="457200" y="1219200"/>
+            <a:ext cx="8229600" cy="5105400"/>
+          </a:xfrm>
+        </p:spPr>
+        <p:txBody>
+          <a:bodyPr>
+            <a:normAutofit/>
+          </a:bodyPr>
+          <a:lstStyle/>
+          <a:p>
+            <a:endParaRPr lang="en-US" sz="3600" dirty="0" smtClean="0"/>
+          </a:p>
+          <a:p>
+            <a:endParaRPr lang="en-US" sz="3600" dirty="0"/>
+          </a:p>
+          <a:p>
+            <a:endParaRPr lang="en-US" sz="3600" dirty="0" smtClean="0"/>
+          </a:p>
+          <a:p>
+            <a:endParaRPr lang="en-US" sz="3600" dirty="0"/>
+          </a:p>
+          <a:p>
+            <a:endParaRPr lang="bg-BG" sz="3600" dirty="0" smtClean="0"/>
+          </a:p>
+          <a:p>
+            <a:endParaRPr lang="en-US" sz="3600" dirty="0" smtClean="0"/>
+          </a:p>
+        </p:txBody>
+      </p:sp>
+      <p:pic>
+        <p:nvPicPr>
+          <p:cNvPr id="6146" name="Picture 2" descr="C:\Current projects\SoftUniConf2014\Presentation\thank-you-for-your-attention-any-questions-24.png"/>
+          <p:cNvPicPr>
+            <a:picLocks noChangeAspect="1" noChangeArrowheads="1"/>
+          </p:cNvPicPr>
+          <p:nvPr/>
+        </p:nvPicPr>
+        <p:blipFill>
+          <a:blip r:embed="rId2">
+            <a:extLst>
+              <a:ext uri="{28A0092B-C50C-407E-A947-70E740481C1C}">
+                <a14:useLocalDpi xmlns:a14="http://schemas.microsoft.com/office/drawing/2010/main" val="0"/>
+              </a:ext>
+            </a:extLst>
+          </a:blip>
+          <a:srcRect/>
+          <a:stretch>
+            <a:fillRect/>
+          </a:stretch>
+        </p:blipFill>
+        <p:spPr bwMode="auto">
+          <a:xfrm>
+            <a:off x="2022764" y="1447800"/>
+            <a:ext cx="5249334" cy="4724400"/>
+          </a:xfrm>
+          <a:prstGeom prst="rect">
+            <a:avLst/>
+          </a:prstGeom>
+          <a:noFill/>
+          <a:extLst>
+            <a:ext uri="{909E8E84-426E-40DD-AFC4-6F175D3DCCD1}">
+              <a14:hiddenFill xmlns:a14="http://schemas.microsoft.com/office/drawing/2010/main">
+                <a:solidFill>
+                  <a:srgbClr val="FFFFFF"/>
+                </a:solidFill>
+              </a14:hiddenFill>
+            </a:ext>
+          </a:extLst>
+        </p:spPr>
+      </p:pic>
+    </p:spTree>
+    <p:extLst>
+      <p:ext uri="{BB962C8B-B14F-4D97-AF65-F5344CB8AC3E}">
+        <p14:creationId xmlns:p14="http://schemas.microsoft.com/office/powerpoint/2010/main" val="1222217680"/>
       </p:ext>
     </p:extLst>
   </p:cSld>

--- a/Presentation/Първи стъпки в Node.pptx
+++ b/Presentation/Първи стъпки в Node.pptx
@@ -8,10 +8,11 @@
     <p:sldId id="256" r:id="rId2"/>
     <p:sldId id="257" r:id="rId3"/>
     <p:sldId id="258" r:id="rId4"/>
-    <p:sldId id="259" r:id="rId5"/>
-    <p:sldId id="260" r:id="rId6"/>
-    <p:sldId id="261" r:id="rId7"/>
-    <p:sldId id="262" r:id="rId8"/>
+    <p:sldId id="263" r:id="rId5"/>
+    <p:sldId id="259" r:id="rId6"/>
+    <p:sldId id="260" r:id="rId7"/>
+    <p:sldId id="261" r:id="rId8"/>
+    <p:sldId id="262" r:id="rId9"/>
   </p:sldIdLst>
   <p:sldSz cx="9144000" cy="6858000" type="screen4x3"/>
   <p:notesSz cx="6858000" cy="9144000"/>
@@ -3971,7 +3972,6 @@
               <a:rPr lang="bg-BG" sz="3600" dirty="0" smtClean="0"/>
               <a:t>програмиране</a:t>
             </a:r>
-            <a:endParaRPr lang="bg-BG" sz="3600" dirty="0" smtClean="0"/>
           </a:p>
           <a:p>
             <a:endParaRPr lang="bg-BG" sz="3600" dirty="0"/>
@@ -4093,17 +4093,12 @@
             </a:r>
             <a:r>
               <a:rPr lang="bg-BG" sz="3600" dirty="0" smtClean="0"/>
-              <a:t> </a:t>
-            </a:r>
-            <a:r>
-              <a:rPr lang="bg-BG" sz="3600" dirty="0" smtClean="0"/>
-              <a:t>и </a:t>
+              <a:t> и </a:t>
             </a:r>
             <a:r>
               <a:rPr lang="en-US" sz="3600" dirty="0" smtClean="0"/>
               <a:t>V8</a:t>
             </a:r>
-            <a:endParaRPr lang="en-US" sz="3600" dirty="0" smtClean="0"/>
           </a:p>
         </p:txBody>
       </p:sp>
@@ -4196,6 +4191,151 @@
           <a:lstStyle/>
           <a:p>
             <a:r>
+              <a:rPr lang="bg-BG" sz="4400" dirty="0" smtClean="0"/>
+              <a:t>Пакети</a:t>
+            </a:r>
+            <a:endParaRPr lang="en-US" sz="4400" dirty="0"/>
+          </a:p>
+        </p:txBody>
+      </p:sp>
+      <p:sp>
+        <p:nvSpPr>
+          <p:cNvPr id="3" name="Content Placeholder 2"/>
+          <p:cNvSpPr>
+            <a:spLocks noGrp="1"/>
+          </p:cNvSpPr>
+          <p:nvPr>
+            <p:ph sz="quarter" idx="1"/>
+          </p:nvPr>
+        </p:nvSpPr>
+        <p:spPr>
+          <a:xfrm>
+            <a:off x="457200" y="1219200"/>
+            <a:ext cx="8229600" cy="5105400"/>
+          </a:xfrm>
+        </p:spPr>
+        <p:txBody>
+          <a:bodyPr>
+            <a:normAutofit/>
+          </a:bodyPr>
+          <a:lstStyle/>
+          <a:p>
+            <a:r>
+              <a:rPr lang="en-US" sz="3600" dirty="0" err="1" smtClean="0"/>
+              <a:t>Npm</a:t>
+            </a:r>
+            <a:endParaRPr lang="en-US" sz="3600" dirty="0" smtClean="0"/>
+          </a:p>
+          <a:p>
+            <a:r>
+              <a:rPr lang="en-US" sz="3600" dirty="0" smtClean="0"/>
+              <a:t>Yeoman</a:t>
+            </a:r>
+          </a:p>
+          <a:p>
+            <a:r>
+              <a:rPr lang="en-US" sz="3600" dirty="0" smtClean="0"/>
+              <a:t>Grunt</a:t>
+            </a:r>
+          </a:p>
+          <a:p>
+            <a:r>
+              <a:rPr lang="en-US" sz="3600" dirty="0" smtClean="0"/>
+              <a:t>Bower</a:t>
+            </a:r>
+            <a:endParaRPr lang="en-US" sz="3600" dirty="0" smtClean="0"/>
+          </a:p>
+        </p:txBody>
+      </p:sp>
+      <p:pic>
+        <p:nvPicPr>
+          <p:cNvPr id="4" name="Picture 2" descr="C:\Current projects\SoftUniConf2014\Presentation\npm-yo-grunt-bower.gif"/>
+          <p:cNvPicPr>
+            <a:picLocks noChangeAspect="1" noChangeArrowheads="1"/>
+          </p:cNvPicPr>
+          <p:nvPr/>
+        </p:nvPicPr>
+        <p:blipFill>
+          <a:blip r:embed="rId2">
+            <a:extLst>
+              <a:ext uri="{28A0092B-C50C-407E-A947-70E740481C1C}">
+                <a14:useLocalDpi xmlns:a14="http://schemas.microsoft.com/office/drawing/2010/main" val="0"/>
+              </a:ext>
+            </a:extLst>
+          </a:blip>
+          <a:srcRect/>
+          <a:stretch>
+            <a:fillRect/>
+          </a:stretch>
+        </p:blipFill>
+        <p:spPr bwMode="auto">
+          <a:xfrm>
+            <a:off x="838200" y="4190999"/>
+            <a:ext cx="7620000" cy="1530597"/>
+          </a:xfrm>
+          <a:prstGeom prst="rect">
+            <a:avLst/>
+          </a:prstGeom>
+          <a:noFill/>
+          <a:extLst>
+            <a:ext uri="{909E8E84-426E-40DD-AFC4-6F175D3DCCD1}">
+              <a14:hiddenFill xmlns:a14="http://schemas.microsoft.com/office/drawing/2010/main">
+                <a:solidFill>
+                  <a:srgbClr val="FFFFFF"/>
+                </a:solidFill>
+              </a14:hiddenFill>
+            </a:ext>
+          </a:extLst>
+        </p:spPr>
+      </p:pic>
+    </p:spTree>
+    <p:extLst>
+      <p:ext uri="{BB962C8B-B14F-4D97-AF65-F5344CB8AC3E}">
+        <p14:creationId xmlns:p14="http://schemas.microsoft.com/office/powerpoint/2010/main" val="1657618673"/>
+      </p:ext>
+    </p:extLst>
+  </p:cSld>
+  <p:clrMapOvr>
+    <a:masterClrMapping/>
+  </p:clrMapOvr>
+</p:sld>
+</file>
+
+<file path=ppt/slides/slide5.xml><?xml version="1.0" encoding="utf-8"?>
+<p:sld xmlns:a="http://schemas.openxmlformats.org/drawingml/2006/main" xmlns:r="http://schemas.openxmlformats.org/officeDocument/2006/relationships" xmlns:p="http://schemas.openxmlformats.org/presentationml/2006/main">
+  <p:cSld>
+    <p:spTree>
+      <p:nvGrpSpPr>
+        <p:cNvPr id="1" name=""/>
+        <p:cNvGrpSpPr/>
+        <p:nvPr/>
+      </p:nvGrpSpPr>
+      <p:grpSpPr>
+        <a:xfrm>
+          <a:off x="0" y="0"/>
+          <a:ext cx="0" cy="0"/>
+          <a:chOff x="0" y="0"/>
+          <a:chExt cx="0" cy="0"/>
+        </a:xfrm>
+      </p:grpSpPr>
+      <p:sp>
+        <p:nvSpPr>
+          <p:cNvPr id="2" name="Title 1"/>
+          <p:cNvSpPr>
+            <a:spLocks noGrp="1"/>
+          </p:cNvSpPr>
+          <p:nvPr>
+            <p:ph type="title"/>
+          </p:nvPr>
+        </p:nvSpPr>
+        <p:spPr/>
+        <p:txBody>
+          <a:bodyPr>
+            <a:noAutofit/>
+          </a:bodyPr>
+          <a:lstStyle/>
+          <a:p>
+            <a:r>
               <a:rPr lang="en-US" sz="4400" dirty="0" smtClean="0"/>
               <a:t>HTML5 </a:t>
             </a:r>
@@ -4311,7 +4451,7 @@
 </p:sld>
 </file>
 
-<file path=ppt/slides/slide5.xml><?xml version="1.0" encoding="utf-8"?>
+<file path=ppt/slides/slide6.xml><?xml version="1.0" encoding="utf-8"?>
 <p:sld xmlns:a="http://schemas.openxmlformats.org/drawingml/2006/main" xmlns:r="http://schemas.openxmlformats.org/officeDocument/2006/relationships" xmlns:p="http://schemas.openxmlformats.org/presentationml/2006/main">
   <p:cSld>
     <p:spTree>
@@ -4656,7 +4796,6 @@
               <a:rPr lang="bg-BG" sz="3600" dirty="0" smtClean="0"/>
               <a:t>моделът е много добър в работата с двупосочна комуникация</a:t>
             </a:r>
-            <a:endParaRPr lang="bg-BG" sz="3600" dirty="0" smtClean="0"/>
           </a:p>
         </p:txBody>
       </p:sp>
@@ -4664,143 +4803,6 @@
     <p:extLst>
       <p:ext uri="{BB962C8B-B14F-4D97-AF65-F5344CB8AC3E}">
         <p14:creationId xmlns:p14="http://schemas.microsoft.com/office/powerpoint/2010/main" val="1198126538"/>
-      </p:ext>
-    </p:extLst>
-  </p:cSld>
-  <p:clrMapOvr>
-    <a:masterClrMapping/>
-  </p:clrMapOvr>
-</p:sld>
-</file>
-
-<file path=ppt/slides/slide6.xml><?xml version="1.0" encoding="utf-8"?>
-<p:sld xmlns:a="http://schemas.openxmlformats.org/drawingml/2006/main" xmlns:r="http://schemas.openxmlformats.org/officeDocument/2006/relationships" xmlns:p="http://schemas.openxmlformats.org/presentationml/2006/main">
-  <p:cSld>
-    <p:spTree>
-      <p:nvGrpSpPr>
-        <p:cNvPr id="1" name=""/>
-        <p:cNvGrpSpPr/>
-        <p:nvPr/>
-      </p:nvGrpSpPr>
-      <p:grpSpPr>
-        <a:xfrm>
-          <a:off x="0" y="0"/>
-          <a:ext cx="0" cy="0"/>
-          <a:chOff x="0" y="0"/>
-          <a:chExt cx="0" cy="0"/>
-        </a:xfrm>
-      </p:grpSpPr>
-      <p:sp>
-        <p:nvSpPr>
-          <p:cNvPr id="2" name="Title 1"/>
-          <p:cNvSpPr>
-            <a:spLocks noGrp="1"/>
-          </p:cNvSpPr>
-          <p:nvPr>
-            <p:ph type="title"/>
-          </p:nvPr>
-        </p:nvSpPr>
-        <p:spPr/>
-        <p:txBody>
-          <a:bodyPr>
-            <a:noAutofit/>
-          </a:bodyPr>
-          <a:lstStyle/>
-          <a:p>
-            <a:r>
-              <a:rPr lang="bg-BG" sz="4400" dirty="0" smtClean="0"/>
-              <a:t>На практика</a:t>
-            </a:r>
-            <a:endParaRPr lang="en-US" sz="4400" dirty="0"/>
-          </a:p>
-        </p:txBody>
-      </p:sp>
-      <p:sp>
-        <p:nvSpPr>
-          <p:cNvPr id="3" name="Content Placeholder 2"/>
-          <p:cNvSpPr>
-            <a:spLocks noGrp="1"/>
-          </p:cNvSpPr>
-          <p:nvPr>
-            <p:ph sz="quarter" idx="1"/>
-          </p:nvPr>
-        </p:nvSpPr>
-        <p:spPr>
-          <a:xfrm>
-            <a:off x="457200" y="1219200"/>
-            <a:ext cx="8229600" cy="5105400"/>
-          </a:xfrm>
-        </p:spPr>
-        <p:txBody>
-          <a:bodyPr>
-            <a:normAutofit/>
-          </a:bodyPr>
-          <a:lstStyle/>
-          <a:p>
-            <a:endParaRPr lang="en-US" sz="3600" dirty="0" smtClean="0"/>
-          </a:p>
-          <a:p>
-            <a:endParaRPr lang="en-US" sz="3600" dirty="0"/>
-          </a:p>
-          <a:p>
-            <a:endParaRPr lang="en-US" sz="3600" dirty="0" smtClean="0"/>
-          </a:p>
-          <a:p>
-            <a:endParaRPr lang="en-US" sz="3600" dirty="0"/>
-          </a:p>
-          <a:p>
-            <a:endParaRPr lang="bg-BG" sz="3600" dirty="0" smtClean="0"/>
-          </a:p>
-          <a:p>
-            <a:endParaRPr lang="en-US" sz="3600" dirty="0" smtClean="0"/>
-          </a:p>
-        </p:txBody>
-      </p:sp>
-      <p:pic>
-        <p:nvPicPr>
-          <p:cNvPr id="5122" name="Picture 2" descr="C:\Current projects\SoftUniConf2014\Presentation\81734325d751649ceb986d7449143e224df7dc8deabead6753baa2ebc00acde7.jpg"/>
-          <p:cNvPicPr>
-            <a:picLocks noChangeAspect="1" noChangeArrowheads="1"/>
-          </p:cNvPicPr>
-          <p:nvPr/>
-        </p:nvPicPr>
-        <p:blipFill>
-          <a:blip r:embed="rId2">
-            <a:extLst>
-              <a:ext uri="{28A0092B-C50C-407E-A947-70E740481C1C}">
-                <a14:useLocalDpi xmlns:a14="http://schemas.microsoft.com/office/drawing/2010/main" val="0"/>
-              </a:ext>
-            </a:extLst>
-          </a:blip>
-          <a:srcRect/>
-          <a:stretch>
-            <a:fillRect/>
-          </a:stretch>
-        </p:blipFill>
-        <p:spPr bwMode="auto">
-          <a:xfrm>
-            <a:off x="2514600" y="1219200"/>
-            <a:ext cx="4419600" cy="5010150"/>
-          </a:xfrm>
-          <a:prstGeom prst="rect">
-            <a:avLst/>
-          </a:prstGeom>
-          <a:noFill/>
-          <a:extLst>
-            <a:ext uri="{909E8E84-426E-40DD-AFC4-6F175D3DCCD1}">
-              <a14:hiddenFill xmlns:a14="http://schemas.microsoft.com/office/drawing/2010/main">
-                <a:solidFill>
-                  <a:srgbClr val="FFFFFF"/>
-                </a:solidFill>
-              </a14:hiddenFill>
-            </a:ext>
-          </a:extLst>
-        </p:spPr>
-      </p:pic>
-    </p:spTree>
-    <p:extLst>
-      <p:ext uri="{BB962C8B-B14F-4D97-AF65-F5344CB8AC3E}">
-        <p14:creationId xmlns:p14="http://schemas.microsoft.com/office/powerpoint/2010/main" val="3891515689"/>
       </p:ext>
     </p:extLst>
   </p:cSld>
@@ -4846,15 +4848,144 @@
           <a:p>
             <a:r>
               <a:rPr lang="bg-BG" sz="4400" dirty="0" smtClean="0"/>
-              <a:t>В</a:t>
-            </a:r>
+              <a:t>На практика</a:t>
+            </a:r>
+            <a:endParaRPr lang="en-US" sz="4400" dirty="0"/>
+          </a:p>
+        </p:txBody>
+      </p:sp>
+      <p:sp>
+        <p:nvSpPr>
+          <p:cNvPr id="3" name="Content Placeholder 2"/>
+          <p:cNvSpPr>
+            <a:spLocks noGrp="1"/>
+          </p:cNvSpPr>
+          <p:nvPr>
+            <p:ph sz="quarter" idx="1"/>
+          </p:nvPr>
+        </p:nvSpPr>
+        <p:spPr>
+          <a:xfrm>
+            <a:off x="457200" y="1219200"/>
+            <a:ext cx="8229600" cy="5105400"/>
+          </a:xfrm>
+        </p:spPr>
+        <p:txBody>
+          <a:bodyPr>
+            <a:normAutofit/>
+          </a:bodyPr>
+          <a:lstStyle/>
+          <a:p>
+            <a:endParaRPr lang="en-US" sz="3600" dirty="0" smtClean="0"/>
+          </a:p>
+          <a:p>
+            <a:endParaRPr lang="en-US" sz="3600" dirty="0"/>
+          </a:p>
+          <a:p>
+            <a:endParaRPr lang="en-US" sz="3600" dirty="0" smtClean="0"/>
+          </a:p>
+          <a:p>
+            <a:endParaRPr lang="en-US" sz="3600" dirty="0"/>
+          </a:p>
+          <a:p>
+            <a:endParaRPr lang="bg-BG" sz="3600" dirty="0" smtClean="0"/>
+          </a:p>
+          <a:p>
+            <a:endParaRPr lang="en-US" sz="3600" dirty="0" smtClean="0"/>
+          </a:p>
+        </p:txBody>
+      </p:sp>
+      <p:pic>
+        <p:nvPicPr>
+          <p:cNvPr id="5122" name="Picture 2" descr="C:\Current projects\SoftUniConf2014\Presentation\81734325d751649ceb986d7449143e224df7dc8deabead6753baa2ebc00acde7.jpg"/>
+          <p:cNvPicPr>
+            <a:picLocks noChangeAspect="1" noChangeArrowheads="1"/>
+          </p:cNvPicPr>
+          <p:nvPr/>
+        </p:nvPicPr>
+        <p:blipFill>
+          <a:blip r:embed="rId2">
+            <a:extLst>
+              <a:ext uri="{28A0092B-C50C-407E-A947-70E740481C1C}">
+                <a14:useLocalDpi xmlns:a14="http://schemas.microsoft.com/office/drawing/2010/main" val="0"/>
+              </a:ext>
+            </a:extLst>
+          </a:blip>
+          <a:srcRect/>
+          <a:stretch>
+            <a:fillRect/>
+          </a:stretch>
+        </p:blipFill>
+        <p:spPr bwMode="auto">
+          <a:xfrm>
+            <a:off x="2514600" y="1219200"/>
+            <a:ext cx="4419600" cy="5010150"/>
+          </a:xfrm>
+          <a:prstGeom prst="rect">
+            <a:avLst/>
+          </a:prstGeom>
+          <a:noFill/>
+          <a:extLst>
+            <a:ext uri="{909E8E84-426E-40DD-AFC4-6F175D3DCCD1}">
+              <a14:hiddenFill xmlns:a14="http://schemas.microsoft.com/office/drawing/2010/main">
+                <a:solidFill>
+                  <a:srgbClr val="FFFFFF"/>
+                </a:solidFill>
+              </a14:hiddenFill>
+            </a:ext>
+          </a:extLst>
+        </p:spPr>
+      </p:pic>
+    </p:spTree>
+    <p:extLst>
+      <p:ext uri="{BB962C8B-B14F-4D97-AF65-F5344CB8AC3E}">
+        <p14:creationId xmlns:p14="http://schemas.microsoft.com/office/powerpoint/2010/main" val="3891515689"/>
+      </p:ext>
+    </p:extLst>
+  </p:cSld>
+  <p:clrMapOvr>
+    <a:masterClrMapping/>
+  </p:clrMapOvr>
+</p:sld>
+</file>
+
+<file path=ppt/slides/slide8.xml><?xml version="1.0" encoding="utf-8"?>
+<p:sld xmlns:a="http://schemas.openxmlformats.org/drawingml/2006/main" xmlns:r="http://schemas.openxmlformats.org/officeDocument/2006/relationships" xmlns:p="http://schemas.openxmlformats.org/presentationml/2006/main">
+  <p:cSld>
+    <p:spTree>
+      <p:nvGrpSpPr>
+        <p:cNvPr id="1" name=""/>
+        <p:cNvGrpSpPr/>
+        <p:nvPr/>
+      </p:nvGrpSpPr>
+      <p:grpSpPr>
+        <a:xfrm>
+          <a:off x="0" y="0"/>
+          <a:ext cx="0" cy="0"/>
+          <a:chOff x="0" y="0"/>
+          <a:chExt cx="0" cy="0"/>
+        </a:xfrm>
+      </p:grpSpPr>
+      <p:sp>
+        <p:nvSpPr>
+          <p:cNvPr id="2" name="Title 1"/>
+          <p:cNvSpPr>
+            <a:spLocks noGrp="1"/>
+          </p:cNvSpPr>
+          <p:nvPr>
+            <p:ph type="title"/>
+          </p:nvPr>
+        </p:nvSpPr>
+        <p:spPr/>
+        <p:txBody>
+          <a:bodyPr>
+            <a:noAutofit/>
+          </a:bodyPr>
+          <a:lstStyle/>
+          <a:p>
             <a:r>
               <a:rPr lang="bg-BG" sz="4400" dirty="0" smtClean="0"/>
-              <a:t>реме за в</a:t>
-            </a:r>
-            <a:r>
-              <a:rPr lang="bg-BG" sz="4400" dirty="0" smtClean="0"/>
-              <a:t>ъпроси?</a:t>
+              <a:t>Време за въпроси?</a:t>
             </a:r>
             <a:endParaRPr lang="en-US" sz="4400" dirty="0"/>
           </a:p>
